--- a/Article/Note/코딩테스트_정복_로드맵/img/img.pptx
+++ b/Article/Note/코딩테스트_정복_로드맵/img/img.pptx
@@ -3550,7 +3550,7 @@
         </p:blipFill>
         <p:spPr>
           <a:xfrm>
-            <a:off x="7073477" y="4531664"/>
+            <a:off x="7063538" y="4531664"/>
             <a:ext cx="2349500" cy="1841500"/>
           </a:xfrm>
           <a:prstGeom prst="rect">
@@ -3609,7 +3609,7 @@
         </p:blipFill>
         <p:spPr>
           <a:xfrm>
-            <a:off x="6771028" y="4217895"/>
+            <a:off x="6761089" y="4217895"/>
             <a:ext cx="2311400" cy="1816100"/>
           </a:xfrm>
           <a:prstGeom prst="rect">
@@ -3668,7 +3668,7 @@
         </p:blipFill>
         <p:spPr>
           <a:xfrm>
-            <a:off x="6375721" y="3946923"/>
+            <a:off x="6365782" y="3946923"/>
             <a:ext cx="2374900" cy="1803400"/>
           </a:xfrm>
           <a:prstGeom prst="rect">
@@ -3727,7 +3727,7 @@
         </p:blipFill>
         <p:spPr>
           <a:xfrm>
-            <a:off x="3153969" y="4667485"/>
+            <a:off x="3038362" y="4380492"/>
             <a:ext cx="2191358" cy="1541476"/>
           </a:xfrm>
           <a:prstGeom prst="rect">
@@ -3846,7 +3846,7 @@
         </p:blipFill>
         <p:spPr>
           <a:xfrm>
-            <a:off x="2733770" y="4420597"/>
+            <a:off x="2768219" y="4064896"/>
             <a:ext cx="2118868" cy="1517903"/>
           </a:xfrm>
           <a:prstGeom prst="rect">
@@ -3905,7 +3905,7 @@
         </p:blipFill>
         <p:spPr>
           <a:xfrm>
-            <a:off x="2507710" y="4051282"/>
+            <a:off x="2542159" y="3695581"/>
             <a:ext cx="1940117" cy="1517903"/>
           </a:xfrm>
           <a:prstGeom prst="rect">
@@ -3965,7 +3965,7 @@
         </p:blipFill>
         <p:spPr>
           <a:xfrm>
-            <a:off x="6150306" y="694035"/>
+            <a:off x="6520934" y="694035"/>
             <a:ext cx="2521113" cy="1985905"/>
           </a:xfrm>
           <a:prstGeom prst="rect">
@@ -4025,7 +4025,7 @@
         </p:blipFill>
         <p:spPr>
           <a:xfrm>
-            <a:off x="6172397" y="3700035"/>
+            <a:off x="6162458" y="3700035"/>
             <a:ext cx="2311400" cy="1803400"/>
           </a:xfrm>
           <a:prstGeom prst="rect">
@@ -4181,8 +4181,8 @@
         </p:nvSpPr>
         <p:spPr>
           <a:xfrm>
-            <a:off x="-3040321" y="-302108"/>
-            <a:ext cx="3247217" cy="7897724"/>
+            <a:off x="-3040321" y="-572948"/>
+            <a:ext cx="3247217" cy="8168564"/>
           </a:xfrm>
           <a:prstGeom prst="rect">
             <a:avLst/>
@@ -4353,7 +4353,7 @@
         </p:blipFill>
         <p:spPr>
           <a:xfrm>
-            <a:off x="10300321" y="3646691"/>
+            <a:off x="10368622" y="3695581"/>
             <a:ext cx="2260600" cy="1778000"/>
           </a:xfrm>
           <a:prstGeom prst="rect">
@@ -4413,7 +4413,7 @@
         </p:blipFill>
         <p:spPr>
           <a:xfrm>
-            <a:off x="10055359" y="714508"/>
+            <a:off x="10177840" y="694035"/>
             <a:ext cx="2505562" cy="1954889"/>
           </a:xfrm>
           <a:prstGeom prst="rect">
@@ -4465,7 +4465,7 @@
         </p:nvSpPr>
         <p:spPr>
           <a:xfrm>
-            <a:off x="-496557" y="-161538"/>
+            <a:off x="-438137" y="-122394"/>
             <a:ext cx="1853859" cy="523220"/>
           </a:xfrm>
           <a:prstGeom prst="rect">
@@ -4504,7 +4504,7 @@
         </p:nvSpPr>
         <p:spPr>
           <a:xfrm>
-            <a:off x="2635916" y="-189438"/>
+            <a:off x="2826586" y="-122394"/>
             <a:ext cx="1853859" cy="523220"/>
           </a:xfrm>
           <a:prstGeom prst="rect">
@@ -4543,7 +4543,7 @@
         </p:nvSpPr>
         <p:spPr>
           <a:xfrm>
-            <a:off x="6483932" y="-217930"/>
+            <a:off x="6858850" y="-122394"/>
             <a:ext cx="1853859" cy="523220"/>
           </a:xfrm>
           <a:prstGeom prst="rect">
@@ -4582,7 +4582,7 @@
         </p:nvSpPr>
         <p:spPr>
           <a:xfrm>
-            <a:off x="10338141" y="-171732"/>
+            <a:off x="10500414" y="-90903"/>
             <a:ext cx="1853859" cy="523220"/>
           </a:xfrm>
           <a:prstGeom prst="rect">
@@ -4616,13 +4616,15 @@
               </a:ext>
             </a:extLst>
           </p:cNvPr>
-          <p:cNvCxnSpPr/>
+          <p:cNvCxnSpPr>
+            <a:cxnSpLocks/>
+          </p:cNvCxnSpPr>
           <p:nvPr/>
         </p:nvCxnSpPr>
         <p:spPr>
           <a:xfrm>
             <a:off x="2003845" y="-35749"/>
-            <a:ext cx="0" cy="6724630"/>
+            <a:ext cx="0" cy="7016307"/>
           </a:xfrm>
           <a:prstGeom prst="line">
             <a:avLst/>
@@ -4658,13 +4660,15 @@
               </a:ext>
             </a:extLst>
           </p:cNvPr>
-          <p:cNvCxnSpPr/>
+          <p:cNvCxnSpPr>
+            <a:cxnSpLocks/>
+          </p:cNvCxnSpPr>
           <p:nvPr/>
         </p:nvCxnSpPr>
         <p:spPr>
           <a:xfrm>
             <a:off x="5739417" y="-83241"/>
-            <a:ext cx="0" cy="6724630"/>
+            <a:ext cx="0" cy="7063799"/>
           </a:xfrm>
           <a:prstGeom prst="line">
             <a:avLst/>
@@ -4707,8 +4711,8 @@
         </p:nvCxnSpPr>
         <p:spPr>
           <a:xfrm>
-            <a:off x="9762068" y="-83241"/>
-            <a:ext cx="0" cy="6856181"/>
+            <a:off x="9830308" y="-83241"/>
+            <a:ext cx="0" cy="7055349"/>
           </a:xfrm>
           <a:prstGeom prst="line">
             <a:avLst/>
@@ -4735,6 +4739,372 @@
           </a:fontRef>
         </p:style>
       </p:cxnSp>
+      <p:sp>
+        <p:nvSpPr>
+          <p:cNvPr id="26" name="직사각형 25">
+            <a:extLst>
+              <a:ext uri="{FF2B5EF4-FFF2-40B4-BE49-F238E27FC236}">
+                <a16:creationId xmlns:a16="http://schemas.microsoft.com/office/drawing/2014/main" id="{810C2983-F0AB-2941-9085-5E31913C8199}"/>
+              </a:ext>
+            </a:extLst>
+          </p:cNvPr>
+          <p:cNvSpPr/>
+          <p:nvPr/>
+        </p:nvSpPr>
+        <p:spPr>
+          <a:xfrm>
+            <a:off x="-3214469" y="7028050"/>
+            <a:ext cx="18729549" cy="2985238"/>
+          </a:xfrm>
+          <a:prstGeom prst="rect">
+            <a:avLst/>
+          </a:prstGeom>
+          <a:solidFill>
+            <a:schemeClr val="bg1"/>
+          </a:solidFill>
+          <a:ln>
+            <a:noFill/>
+          </a:ln>
+        </p:spPr>
+        <p:style>
+          <a:lnRef idx="2">
+            <a:schemeClr val="accent1">
+              <a:shade val="50000"/>
+            </a:schemeClr>
+          </a:lnRef>
+          <a:fillRef idx="1">
+            <a:schemeClr val="accent1"/>
+          </a:fillRef>
+          <a:effectRef idx="0">
+            <a:schemeClr val="accent1"/>
+          </a:effectRef>
+          <a:fontRef idx="minor">
+            <a:schemeClr val="lt1"/>
+          </a:fontRef>
+        </p:style>
+        <p:txBody>
+          <a:bodyPr rtlCol="0" anchor="ctr"/>
+          <a:lstStyle/>
+          <a:p>
+            <a:pPr algn="ctr"/>
+            <a:endParaRPr kumimoji="1" lang="ko-KR" altLang="en-US"/>
+          </a:p>
+        </p:txBody>
+      </p:sp>
+      <p:pic>
+        <p:nvPicPr>
+          <p:cNvPr id="3" name="그림 2">
+            <a:extLst>
+              <a:ext uri="{FF2B5EF4-FFF2-40B4-BE49-F238E27FC236}">
+                <a16:creationId xmlns:a16="http://schemas.microsoft.com/office/drawing/2014/main" id="{D02B43DE-0D2C-5D4A-A89B-924B896A509C}"/>
+              </a:ext>
+            </a:extLst>
+          </p:cNvPr>
+          <p:cNvPicPr>
+            <a:picLocks noChangeAspect="1"/>
+          </p:cNvPicPr>
+          <p:nvPr/>
+        </p:nvPicPr>
+        <p:blipFill rotWithShape="1">
+          <a:blip r:embed="rId14"/>
+          <a:srcRect b="5266"/>
+          <a:stretch/>
+        </p:blipFill>
+        <p:spPr>
+          <a:xfrm>
+            <a:off x="5157784" y="7435889"/>
+            <a:ext cx="2652295" cy="2091517"/>
+          </a:xfrm>
+          <a:prstGeom prst="rect">
+            <a:avLst/>
+          </a:prstGeom>
+          <a:solidFill>
+            <a:srgbClr val="FFFFFF">
+              <a:shade val="85000"/>
+            </a:srgbClr>
+          </a:solidFill>
+          <a:ln w="88900" cap="sq">
+            <a:solidFill>
+              <a:srgbClr val="FFFFFF"/>
+            </a:solidFill>
+            <a:miter lim="800000"/>
+          </a:ln>
+          <a:effectLst>
+            <a:outerShdw blurRad="55000" dist="18000" dir="5400000" algn="tl" rotWithShape="0">
+              <a:srgbClr val="000000">
+                <a:alpha val="40000"/>
+              </a:srgbClr>
+            </a:outerShdw>
+          </a:effectLst>
+          <a:scene3d>
+            <a:camera prst="orthographicFront"/>
+            <a:lightRig rig="twoPt" dir="t">
+              <a:rot lat="0" lon="0" rev="7200000"/>
+            </a:lightRig>
+          </a:scene3d>
+          <a:sp3d>
+            <a:bevelT w="25400" h="19050"/>
+            <a:contourClr>
+              <a:srgbClr val="FFFFFF"/>
+            </a:contourClr>
+          </a:sp3d>
+        </p:spPr>
+      </p:pic>
+      <p:pic>
+        <p:nvPicPr>
+          <p:cNvPr id="6" name="그림 5">
+            <a:extLst>
+              <a:ext uri="{FF2B5EF4-FFF2-40B4-BE49-F238E27FC236}">
+                <a16:creationId xmlns:a16="http://schemas.microsoft.com/office/drawing/2014/main" id="{45C5C28B-7E01-1C4B-BE2B-5AE07974D9F7}"/>
+              </a:ext>
+            </a:extLst>
+          </p:cNvPr>
+          <p:cNvPicPr>
+            <a:picLocks noChangeAspect="1"/>
+          </p:cNvPicPr>
+          <p:nvPr/>
+        </p:nvPicPr>
+        <p:blipFill rotWithShape="1">
+          <a:blip r:embed="rId15"/>
+          <a:srcRect t="1" b="-454"/>
+          <a:stretch/>
+        </p:blipFill>
+        <p:spPr>
+          <a:xfrm>
+            <a:off x="971054" y="7453001"/>
+            <a:ext cx="2513717" cy="2076988"/>
+          </a:xfrm>
+          <a:prstGeom prst="rect">
+            <a:avLst/>
+          </a:prstGeom>
+          <a:solidFill>
+            <a:srgbClr val="FFFFFF">
+              <a:shade val="85000"/>
+            </a:srgbClr>
+          </a:solidFill>
+          <a:ln w="88900" cap="sq">
+            <a:solidFill>
+              <a:srgbClr val="FFFFFF"/>
+            </a:solidFill>
+            <a:miter lim="800000"/>
+          </a:ln>
+          <a:effectLst>
+            <a:outerShdw blurRad="55000" dist="18000" dir="5400000" algn="tl" rotWithShape="0">
+              <a:srgbClr val="000000">
+                <a:alpha val="40000"/>
+              </a:srgbClr>
+            </a:outerShdw>
+          </a:effectLst>
+          <a:scene3d>
+            <a:camera prst="orthographicFront"/>
+            <a:lightRig rig="twoPt" dir="t">
+              <a:rot lat="0" lon="0" rev="7200000"/>
+            </a:lightRig>
+          </a:scene3d>
+          <a:sp3d>
+            <a:bevelT w="25400" h="19050"/>
+            <a:contourClr>
+              <a:srgbClr val="FFFFFF"/>
+            </a:contourClr>
+          </a:sp3d>
+        </p:spPr>
+      </p:pic>
+      <p:pic>
+        <p:nvPicPr>
+          <p:cNvPr id="9" name="그림 8" descr="텍스트이(가) 표시된 사진&#10;&#10;자동 생성된 설명">
+            <a:extLst>
+              <a:ext uri="{FF2B5EF4-FFF2-40B4-BE49-F238E27FC236}">
+                <a16:creationId xmlns:a16="http://schemas.microsoft.com/office/drawing/2014/main" id="{48C877DD-AB2C-5F48-8AAA-28529F8DE6F7}"/>
+              </a:ext>
+            </a:extLst>
+          </p:cNvPr>
+          <p:cNvPicPr>
+            <a:picLocks noChangeAspect="1"/>
+          </p:cNvPicPr>
+          <p:nvPr/>
+        </p:nvPicPr>
+        <p:blipFill rotWithShape="1">
+          <a:blip r:embed="rId16"/>
+          <a:srcRect t="1" b="-2011"/>
+          <a:stretch/>
+        </p:blipFill>
+        <p:spPr>
+          <a:xfrm>
+            <a:off x="9448119" y="7472827"/>
+            <a:ext cx="2743881" cy="2202031"/>
+          </a:xfrm>
+          <a:prstGeom prst="rect">
+            <a:avLst/>
+          </a:prstGeom>
+          <a:solidFill>
+            <a:srgbClr val="FFFFFF">
+              <a:shade val="85000"/>
+            </a:srgbClr>
+          </a:solidFill>
+          <a:ln w="88900" cap="sq">
+            <a:solidFill>
+              <a:srgbClr val="FFFFFF"/>
+            </a:solidFill>
+            <a:miter lim="800000"/>
+          </a:ln>
+          <a:effectLst>
+            <a:outerShdw blurRad="55000" dist="18000" dir="5400000" algn="tl" rotWithShape="0">
+              <a:srgbClr val="000000">
+                <a:alpha val="40000"/>
+              </a:srgbClr>
+            </a:outerShdw>
+          </a:effectLst>
+          <a:scene3d>
+            <a:camera prst="orthographicFront"/>
+            <a:lightRig rig="twoPt" dir="t">
+              <a:rot lat="0" lon="0" rev="7200000"/>
+            </a:lightRig>
+          </a:scene3d>
+          <a:sp3d>
+            <a:bevelT w="25400" h="19050"/>
+            <a:contourClr>
+              <a:srgbClr val="FFFFFF"/>
+            </a:contourClr>
+          </a:sp3d>
+        </p:spPr>
+      </p:pic>
+      <p:cxnSp>
+        <p:nvCxnSpPr>
+          <p:cNvPr id="42" name="직선 연결선[R] 41">
+            <a:extLst>
+              <a:ext uri="{FF2B5EF4-FFF2-40B4-BE49-F238E27FC236}">
+                <a16:creationId xmlns:a16="http://schemas.microsoft.com/office/drawing/2014/main" id="{E300412B-B58C-E042-ADB7-EB6B6B5D1210}"/>
+              </a:ext>
+            </a:extLst>
+          </p:cNvPr>
+          <p:cNvCxnSpPr>
+            <a:cxnSpLocks/>
+          </p:cNvCxnSpPr>
+          <p:nvPr/>
+        </p:nvCxnSpPr>
+        <p:spPr>
+          <a:xfrm flipH="1" flipV="1">
+            <a:off x="-934070" y="6972108"/>
+            <a:ext cx="13996927" cy="8450"/>
+          </a:xfrm>
+          <a:prstGeom prst="line">
+            <a:avLst/>
+          </a:prstGeom>
+          <a:ln w="34925">
+            <a:solidFill>
+              <a:srgbClr val="FFB800"/>
+            </a:solidFill>
+            <a:prstDash val="sysDash"/>
+          </a:ln>
+        </p:spPr>
+        <p:style>
+          <a:lnRef idx="1">
+            <a:schemeClr val="accent1"/>
+          </a:lnRef>
+          <a:fillRef idx="0">
+            <a:schemeClr val="accent1"/>
+          </a:fillRef>
+          <a:effectRef idx="0">
+            <a:schemeClr val="accent1"/>
+          </a:effectRef>
+          <a:fontRef idx="minor">
+            <a:schemeClr val="tx1"/>
+          </a:fontRef>
+        </p:style>
+      </p:cxnSp>
+      <p:sp>
+        <p:nvSpPr>
+          <p:cNvPr id="24" name="직사각형 23">
+            <a:extLst>
+              <a:ext uri="{FF2B5EF4-FFF2-40B4-BE49-F238E27FC236}">
+                <a16:creationId xmlns:a16="http://schemas.microsoft.com/office/drawing/2014/main" id="{815B0DA2-CB5D-2343-8664-8D0D86717B59}"/>
+              </a:ext>
+            </a:extLst>
+          </p:cNvPr>
+          <p:cNvSpPr/>
+          <p:nvPr/>
+        </p:nvSpPr>
+        <p:spPr>
+          <a:xfrm>
+            <a:off x="-1532965" y="-403412"/>
+            <a:ext cx="15329647" cy="10246659"/>
+          </a:xfrm>
+          <a:prstGeom prst="rect">
+            <a:avLst/>
+          </a:prstGeom>
+          <a:noFill/>
+          <a:ln>
+            <a:solidFill>
+              <a:schemeClr val="bg1">
+                <a:lumMod val="75000"/>
+              </a:schemeClr>
+            </a:solidFill>
+          </a:ln>
+        </p:spPr>
+        <p:style>
+          <a:lnRef idx="2">
+            <a:schemeClr val="accent1">
+              <a:shade val="50000"/>
+            </a:schemeClr>
+          </a:lnRef>
+          <a:fillRef idx="1">
+            <a:schemeClr val="accent1"/>
+          </a:fillRef>
+          <a:effectRef idx="0">
+            <a:schemeClr val="accent1"/>
+          </a:effectRef>
+          <a:fontRef idx="minor">
+            <a:schemeClr val="lt1"/>
+          </a:fontRef>
+        </p:style>
+        <p:txBody>
+          <a:bodyPr rtlCol="0" anchor="ctr"/>
+          <a:lstStyle/>
+          <a:p>
+            <a:pPr algn="ctr"/>
+            <a:endParaRPr kumimoji="1" lang="ko-KR" altLang="en-US"/>
+          </a:p>
+        </p:txBody>
+      </p:sp>
+      <p:sp>
+        <p:nvSpPr>
+          <p:cNvPr id="46" name="TextBox 45">
+            <a:extLst>
+              <a:ext uri="{FF2B5EF4-FFF2-40B4-BE49-F238E27FC236}">
+                <a16:creationId xmlns:a16="http://schemas.microsoft.com/office/drawing/2014/main" id="{5A2EFA89-D1CD-7E45-90BC-B1A397CCCD45}"/>
+              </a:ext>
+            </a:extLst>
+          </p:cNvPr>
+          <p:cNvSpPr txBox="1"/>
+          <p:nvPr/>
+        </p:nvSpPr>
+        <p:spPr>
+          <a:xfrm>
+            <a:off x="-1173236" y="7180894"/>
+            <a:ext cx="1853859" cy="523220"/>
+          </a:xfrm>
+          <a:prstGeom prst="rect">
+            <a:avLst/>
+          </a:prstGeom>
+          <a:noFill/>
+        </p:spPr>
+        <p:txBody>
+          <a:bodyPr wrap="square" rtlCol="0">
+            <a:spAutoFit/>
+          </a:bodyPr>
+          <a:lstStyle/>
+          <a:p>
+            <a:pPr algn="ctr"/>
+            <a:r>
+              <a:rPr kumimoji="1" lang="ko-KR" altLang="en-US" sz="2800" dirty="0">
+                <a:latin typeface="BM JUA OTF" panose="02020603020101020101" pitchFamily="18" charset="-127"/>
+                <a:ea typeface="BM JUA OTF" panose="02020603020101020101" pitchFamily="18" charset="-127"/>
+              </a:rPr>
+              <a:t>읽기 자료</a:t>
+            </a:r>
+          </a:p>
+        </p:txBody>
+      </p:sp>
     </p:spTree>
     <p:extLst>
       <p:ext uri="{BB962C8B-B14F-4D97-AF65-F5344CB8AC3E}">

--- a/Article/Note/코딩테스트_정복_로드맵/img/img.pptx
+++ b/Article/Note/코딩테스트_정복_로드맵/img/img.pptx
@@ -8,9 +8,10 @@
     <p:sldId id="256" r:id="rId2"/>
     <p:sldId id="257" r:id="rId3"/>
     <p:sldId id="261" r:id="rId4"/>
-    <p:sldId id="258" r:id="rId5"/>
-    <p:sldId id="259" r:id="rId6"/>
-    <p:sldId id="260" r:id="rId7"/>
+    <p:sldId id="262" r:id="rId5"/>
+    <p:sldId id="258" r:id="rId6"/>
+    <p:sldId id="259" r:id="rId7"/>
+    <p:sldId id="260" r:id="rId8"/>
   </p:sldIdLst>
   <p:sldSz cx="12192000" cy="6858000"/>
   <p:notesSz cx="6858000" cy="9144000"/>
@@ -264,7 +265,7 @@
           <a:p>
             <a:fld id="{C7E511A3-7BB4-EE4C-ADC8-A6942ECF0B30}" type="datetimeFigureOut">
               <a:rPr kumimoji="1" lang="ko-KR" altLang="en-US" smtClean="0"/>
-              <a:t>2021. 4. 10.</a:t>
+              <a:t>2021. 4. 12.</a:t>
             </a:fld>
             <a:endParaRPr kumimoji="1" lang="ko-KR" altLang="en-US"/>
           </a:p>
@@ -462,7 +463,7 @@
           <a:p>
             <a:fld id="{C7E511A3-7BB4-EE4C-ADC8-A6942ECF0B30}" type="datetimeFigureOut">
               <a:rPr kumimoji="1" lang="ko-KR" altLang="en-US" smtClean="0"/>
-              <a:t>2021. 4. 10.</a:t>
+              <a:t>2021. 4. 12.</a:t>
             </a:fld>
             <a:endParaRPr kumimoji="1" lang="ko-KR" altLang="en-US"/>
           </a:p>
@@ -670,7 +671,7 @@
           <a:p>
             <a:fld id="{C7E511A3-7BB4-EE4C-ADC8-A6942ECF0B30}" type="datetimeFigureOut">
               <a:rPr kumimoji="1" lang="ko-KR" altLang="en-US" smtClean="0"/>
-              <a:t>2021. 4. 10.</a:t>
+              <a:t>2021. 4. 12.</a:t>
             </a:fld>
             <a:endParaRPr kumimoji="1" lang="ko-KR" altLang="en-US"/>
           </a:p>
@@ -868,7 +869,7 @@
           <a:p>
             <a:fld id="{C7E511A3-7BB4-EE4C-ADC8-A6942ECF0B30}" type="datetimeFigureOut">
               <a:rPr kumimoji="1" lang="ko-KR" altLang="en-US" smtClean="0"/>
-              <a:t>2021. 4. 10.</a:t>
+              <a:t>2021. 4. 12.</a:t>
             </a:fld>
             <a:endParaRPr kumimoji="1" lang="ko-KR" altLang="en-US"/>
           </a:p>
@@ -1143,7 +1144,7 @@
           <a:p>
             <a:fld id="{C7E511A3-7BB4-EE4C-ADC8-A6942ECF0B30}" type="datetimeFigureOut">
               <a:rPr kumimoji="1" lang="ko-KR" altLang="en-US" smtClean="0"/>
-              <a:t>2021. 4. 10.</a:t>
+              <a:t>2021. 4. 12.</a:t>
             </a:fld>
             <a:endParaRPr kumimoji="1" lang="ko-KR" altLang="en-US"/>
           </a:p>
@@ -1408,7 +1409,7 @@
           <a:p>
             <a:fld id="{C7E511A3-7BB4-EE4C-ADC8-A6942ECF0B30}" type="datetimeFigureOut">
               <a:rPr kumimoji="1" lang="ko-KR" altLang="en-US" smtClean="0"/>
-              <a:t>2021. 4. 10.</a:t>
+              <a:t>2021. 4. 12.</a:t>
             </a:fld>
             <a:endParaRPr kumimoji="1" lang="ko-KR" altLang="en-US"/>
           </a:p>
@@ -1820,7 +1821,7 @@
           <a:p>
             <a:fld id="{C7E511A3-7BB4-EE4C-ADC8-A6942ECF0B30}" type="datetimeFigureOut">
               <a:rPr kumimoji="1" lang="ko-KR" altLang="en-US" smtClean="0"/>
-              <a:t>2021. 4. 10.</a:t>
+              <a:t>2021. 4. 12.</a:t>
             </a:fld>
             <a:endParaRPr kumimoji="1" lang="ko-KR" altLang="en-US"/>
           </a:p>
@@ -1961,7 +1962,7 @@
           <a:p>
             <a:fld id="{C7E511A3-7BB4-EE4C-ADC8-A6942ECF0B30}" type="datetimeFigureOut">
               <a:rPr kumimoji="1" lang="ko-KR" altLang="en-US" smtClean="0"/>
-              <a:t>2021. 4. 10.</a:t>
+              <a:t>2021. 4. 12.</a:t>
             </a:fld>
             <a:endParaRPr kumimoji="1" lang="ko-KR" altLang="en-US"/>
           </a:p>
@@ -2074,7 +2075,7 @@
           <a:p>
             <a:fld id="{C7E511A3-7BB4-EE4C-ADC8-A6942ECF0B30}" type="datetimeFigureOut">
               <a:rPr kumimoji="1" lang="ko-KR" altLang="en-US" smtClean="0"/>
-              <a:t>2021. 4. 10.</a:t>
+              <a:t>2021. 4. 12.</a:t>
             </a:fld>
             <a:endParaRPr kumimoji="1" lang="ko-KR" altLang="en-US"/>
           </a:p>
@@ -2385,7 +2386,7 @@
           <a:p>
             <a:fld id="{C7E511A3-7BB4-EE4C-ADC8-A6942ECF0B30}" type="datetimeFigureOut">
               <a:rPr kumimoji="1" lang="ko-KR" altLang="en-US" smtClean="0"/>
-              <a:t>2021. 4. 10.</a:t>
+              <a:t>2021. 4. 12.</a:t>
             </a:fld>
             <a:endParaRPr kumimoji="1" lang="ko-KR" altLang="en-US"/>
           </a:p>
@@ -2673,7 +2674,7 @@
           <a:p>
             <a:fld id="{C7E511A3-7BB4-EE4C-ADC8-A6942ECF0B30}" type="datetimeFigureOut">
               <a:rPr kumimoji="1" lang="ko-KR" altLang="en-US" smtClean="0"/>
-              <a:t>2021. 4. 10.</a:t>
+              <a:t>2021. 4. 12.</a:t>
             </a:fld>
             <a:endParaRPr kumimoji="1" lang="ko-KR" altLang="en-US"/>
           </a:p>
@@ -2914,7 +2915,7 @@
           <a:p>
             <a:fld id="{C7E511A3-7BB4-EE4C-ADC8-A6942ECF0B30}" type="datetimeFigureOut">
               <a:rPr kumimoji="1" lang="ko-KR" altLang="en-US" smtClean="0"/>
-              <a:t>2021. 4. 10.</a:t>
+              <a:t>2021. 4. 12.</a:t>
             </a:fld>
             <a:endParaRPr kumimoji="1" lang="ko-KR" altLang="en-US"/>
           </a:p>
@@ -5135,10 +5136,1327 @@
           <a:chExt cx="0" cy="0"/>
         </a:xfrm>
       </p:grpSpPr>
+      <p:pic>
+        <p:nvPicPr>
+          <p:cNvPr id="33" name="그림 32">
+            <a:extLst>
+              <a:ext uri="{FF2B5EF4-FFF2-40B4-BE49-F238E27FC236}">
+                <a16:creationId xmlns:a16="http://schemas.microsoft.com/office/drawing/2014/main" id="{7E9ABBFE-428C-2941-A5F3-F8C0DAA193EF}"/>
+              </a:ext>
+            </a:extLst>
+          </p:cNvPr>
+          <p:cNvPicPr>
+            <a:picLocks noChangeAspect="1"/>
+          </p:cNvPicPr>
+          <p:nvPr/>
+        </p:nvPicPr>
+        <p:blipFill>
+          <a:blip r:embed="rId2"/>
+          <a:stretch>
+            <a:fillRect/>
+          </a:stretch>
+        </p:blipFill>
+        <p:spPr>
+          <a:xfrm>
+            <a:off x="7063538" y="4531664"/>
+            <a:ext cx="2349500" cy="1841500"/>
+          </a:xfrm>
+          <a:prstGeom prst="rect">
+            <a:avLst/>
+          </a:prstGeom>
+          <a:solidFill>
+            <a:srgbClr val="FFFFFF">
+              <a:shade val="85000"/>
+            </a:srgbClr>
+          </a:solidFill>
+          <a:ln w="88900" cap="sq">
+            <a:solidFill>
+              <a:srgbClr val="FFFFFF"/>
+            </a:solidFill>
+            <a:miter lim="800000"/>
+          </a:ln>
+          <a:effectLst>
+            <a:outerShdw blurRad="55000" dist="18000" dir="5400000" algn="tl" rotWithShape="0">
+              <a:srgbClr val="000000">
+                <a:alpha val="40000"/>
+              </a:srgbClr>
+            </a:outerShdw>
+          </a:effectLst>
+          <a:scene3d>
+            <a:camera prst="orthographicFront"/>
+            <a:lightRig rig="twoPt" dir="t">
+              <a:rot lat="0" lon="0" rev="7200000"/>
+            </a:lightRig>
+          </a:scene3d>
+          <a:sp3d>
+            <a:bevelT w="25400" h="19050"/>
+            <a:contourClr>
+              <a:srgbClr val="FFFFFF"/>
+            </a:contourClr>
+          </a:sp3d>
+        </p:spPr>
+      </p:pic>
+      <p:pic>
+        <p:nvPicPr>
+          <p:cNvPr id="29" name="그림 28" descr="텍스트, 나무이(가) 표시된 사진&#10;&#10;자동 생성된 설명">
+            <a:extLst>
+              <a:ext uri="{FF2B5EF4-FFF2-40B4-BE49-F238E27FC236}">
+                <a16:creationId xmlns:a16="http://schemas.microsoft.com/office/drawing/2014/main" id="{87F83140-DD24-D24A-8831-9B4742817EC3}"/>
+              </a:ext>
+            </a:extLst>
+          </p:cNvPr>
+          <p:cNvPicPr>
+            <a:picLocks noChangeAspect="1"/>
+          </p:cNvPicPr>
+          <p:nvPr/>
+        </p:nvPicPr>
+        <p:blipFill rotWithShape="1">
+          <a:blip r:embed="rId3"/>
+          <a:srcRect b="7742"/>
+          <a:stretch/>
+        </p:blipFill>
+        <p:spPr>
+          <a:xfrm>
+            <a:off x="6761089" y="4217895"/>
+            <a:ext cx="2311400" cy="1816100"/>
+          </a:xfrm>
+          <a:prstGeom prst="rect">
+            <a:avLst/>
+          </a:prstGeom>
+          <a:solidFill>
+            <a:srgbClr val="FFFFFF">
+              <a:shade val="85000"/>
+            </a:srgbClr>
+          </a:solidFill>
+          <a:ln w="88900" cap="sq">
+            <a:solidFill>
+              <a:srgbClr val="FFFFFF"/>
+            </a:solidFill>
+            <a:miter lim="800000"/>
+          </a:ln>
+          <a:effectLst>
+            <a:outerShdw blurRad="55000" dist="18000" dir="5400000" algn="tl" rotWithShape="0">
+              <a:srgbClr val="000000">
+                <a:alpha val="40000"/>
+              </a:srgbClr>
+            </a:outerShdw>
+          </a:effectLst>
+          <a:scene3d>
+            <a:camera prst="orthographicFront"/>
+            <a:lightRig rig="twoPt" dir="t">
+              <a:rot lat="0" lon="0" rev="7200000"/>
+            </a:lightRig>
+          </a:scene3d>
+          <a:sp3d>
+            <a:bevelT w="25400" h="19050"/>
+            <a:contourClr>
+              <a:srgbClr val="FFFFFF"/>
+            </a:contourClr>
+          </a:sp3d>
+        </p:spPr>
+      </p:pic>
+      <p:pic>
+        <p:nvPicPr>
+          <p:cNvPr id="31" name="그림 30">
+            <a:extLst>
+              <a:ext uri="{FF2B5EF4-FFF2-40B4-BE49-F238E27FC236}">
+                <a16:creationId xmlns:a16="http://schemas.microsoft.com/office/drawing/2014/main" id="{9703D663-6287-B04F-BB07-AEA65D2517EC}"/>
+              </a:ext>
+            </a:extLst>
+          </p:cNvPr>
+          <p:cNvPicPr>
+            <a:picLocks noChangeAspect="1"/>
+          </p:cNvPicPr>
+          <p:nvPr/>
+        </p:nvPicPr>
+        <p:blipFill rotWithShape="1">
+          <a:blip r:embed="rId4"/>
+          <a:srcRect b="8387"/>
+          <a:stretch/>
+        </p:blipFill>
+        <p:spPr>
+          <a:xfrm>
+            <a:off x="6365782" y="3946923"/>
+            <a:ext cx="2374900" cy="1803400"/>
+          </a:xfrm>
+          <a:prstGeom prst="rect">
+            <a:avLst/>
+          </a:prstGeom>
+          <a:solidFill>
+            <a:srgbClr val="FFFFFF">
+              <a:shade val="85000"/>
+            </a:srgbClr>
+          </a:solidFill>
+          <a:ln w="88900" cap="sq">
+            <a:solidFill>
+              <a:srgbClr val="FFFFFF"/>
+            </a:solidFill>
+            <a:miter lim="800000"/>
+          </a:ln>
+          <a:effectLst>
+            <a:outerShdw blurRad="55000" dist="18000" dir="5400000" algn="tl" rotWithShape="0">
+              <a:srgbClr val="000000">
+                <a:alpha val="40000"/>
+              </a:srgbClr>
+            </a:outerShdw>
+          </a:effectLst>
+          <a:scene3d>
+            <a:camera prst="orthographicFront"/>
+            <a:lightRig rig="twoPt" dir="t">
+              <a:rot lat="0" lon="0" rev="7200000"/>
+            </a:lightRig>
+          </a:scene3d>
+          <a:sp3d>
+            <a:bevelT w="25400" h="19050"/>
+            <a:contourClr>
+              <a:srgbClr val="FFFFFF"/>
+            </a:contourClr>
+          </a:sp3d>
+        </p:spPr>
+      </p:pic>
+      <p:pic>
+        <p:nvPicPr>
+          <p:cNvPr id="17" name="그림 16" descr="텍스트이(가) 표시된 사진&#10;&#10;자동 생성된 설명">
+            <a:extLst>
+              <a:ext uri="{FF2B5EF4-FFF2-40B4-BE49-F238E27FC236}">
+                <a16:creationId xmlns:a16="http://schemas.microsoft.com/office/drawing/2014/main" id="{C6B50DDF-3CA5-7140-8788-09D3C7B63D1B}"/>
+              </a:ext>
+            </a:extLst>
+          </p:cNvPr>
+          <p:cNvPicPr>
+            <a:picLocks noChangeAspect="1"/>
+          </p:cNvPicPr>
+          <p:nvPr/>
+        </p:nvPicPr>
+        <p:blipFill rotWithShape="1">
+          <a:blip r:embed="rId5"/>
+          <a:srcRect t="8356"/>
+          <a:stretch/>
+        </p:blipFill>
+        <p:spPr>
+          <a:xfrm>
+            <a:off x="3038362" y="4380492"/>
+            <a:ext cx="2191358" cy="1541476"/>
+          </a:xfrm>
+          <a:prstGeom prst="rect">
+            <a:avLst/>
+          </a:prstGeom>
+          <a:solidFill>
+            <a:srgbClr val="FFFFFF">
+              <a:shade val="85000"/>
+            </a:srgbClr>
+          </a:solidFill>
+          <a:ln w="88900" cap="sq">
+            <a:solidFill>
+              <a:srgbClr val="FFFFFF"/>
+            </a:solidFill>
+            <a:miter lim="800000"/>
+          </a:ln>
+          <a:effectLst>
+            <a:outerShdw blurRad="55000" dist="18000" dir="5400000" algn="tl" rotWithShape="0">
+              <a:srgbClr val="000000">
+                <a:alpha val="40000"/>
+              </a:srgbClr>
+            </a:outerShdw>
+          </a:effectLst>
+          <a:scene3d>
+            <a:camera prst="orthographicFront"/>
+            <a:lightRig rig="twoPt" dir="t">
+              <a:rot lat="0" lon="0" rev="7200000"/>
+            </a:lightRig>
+          </a:scene3d>
+          <a:sp3d>
+            <a:bevelT w="25400" h="19050"/>
+            <a:contourClr>
+              <a:srgbClr val="FFFFFF"/>
+            </a:contourClr>
+          </a:sp3d>
+        </p:spPr>
+      </p:pic>
+      <p:pic>
+        <p:nvPicPr>
+          <p:cNvPr id="7" name="그림 6" descr="조류, 실외, 닭이(가) 표시된 사진&#10;&#10;자동 생성된 설명">
+            <a:extLst>
+              <a:ext uri="{FF2B5EF4-FFF2-40B4-BE49-F238E27FC236}">
+                <a16:creationId xmlns:a16="http://schemas.microsoft.com/office/drawing/2014/main" id="{3E2A14C3-2D50-EE4C-A909-D80F2E5E614A}"/>
+              </a:ext>
+            </a:extLst>
+          </p:cNvPr>
+          <p:cNvPicPr>
+            <a:picLocks noChangeAspect="1"/>
+          </p:cNvPicPr>
+          <p:nvPr/>
+        </p:nvPicPr>
+        <p:blipFill>
+          <a:blip r:embed="rId6"/>
+          <a:stretch>
+            <a:fillRect/>
+          </a:stretch>
+        </p:blipFill>
+        <p:spPr>
+          <a:xfrm>
+            <a:off x="2772761" y="716422"/>
+            <a:ext cx="2235200" cy="1816100"/>
+          </a:xfrm>
+          <a:prstGeom prst="rect">
+            <a:avLst/>
+          </a:prstGeom>
+          <a:solidFill>
+            <a:srgbClr val="FFFFFF">
+              <a:shade val="85000"/>
+            </a:srgbClr>
+          </a:solidFill>
+          <a:ln w="88900" cap="sq">
+            <a:solidFill>
+              <a:srgbClr val="FFFFFF"/>
+            </a:solidFill>
+            <a:miter lim="800000"/>
+          </a:ln>
+          <a:effectLst>
+            <a:outerShdw blurRad="55000" dist="18000" dir="5400000" algn="tl" rotWithShape="0">
+              <a:srgbClr val="000000">
+                <a:alpha val="40000"/>
+              </a:srgbClr>
+            </a:outerShdw>
+          </a:effectLst>
+          <a:scene3d>
+            <a:camera prst="orthographicFront"/>
+            <a:lightRig rig="twoPt" dir="t">
+              <a:rot lat="0" lon="0" rev="7200000"/>
+            </a:lightRig>
+          </a:scene3d>
+          <a:sp3d>
+            <a:bevelT w="25400" h="19050"/>
+            <a:contourClr>
+              <a:srgbClr val="FFFFFF"/>
+            </a:contourClr>
+          </a:sp3d>
+        </p:spPr>
+      </p:pic>
+      <p:pic>
+        <p:nvPicPr>
+          <p:cNvPr id="13" name="그림 12" descr="텍스트이(가) 표시된 사진&#10;&#10;자동 생성된 설명">
+            <a:extLst>
+              <a:ext uri="{FF2B5EF4-FFF2-40B4-BE49-F238E27FC236}">
+                <a16:creationId xmlns:a16="http://schemas.microsoft.com/office/drawing/2014/main" id="{B86522DE-789A-7C40-98B1-23F056AD707D}"/>
+              </a:ext>
+            </a:extLst>
+          </p:cNvPr>
+          <p:cNvPicPr>
+            <a:picLocks noChangeAspect="1"/>
+          </p:cNvPicPr>
+          <p:nvPr/>
+        </p:nvPicPr>
+        <p:blipFill rotWithShape="1">
+          <a:blip r:embed="rId7"/>
+          <a:srcRect t="9827"/>
+          <a:stretch/>
+        </p:blipFill>
+        <p:spPr>
+          <a:xfrm>
+            <a:off x="2768219" y="4064896"/>
+            <a:ext cx="2118868" cy="1517903"/>
+          </a:xfrm>
+          <a:prstGeom prst="rect">
+            <a:avLst/>
+          </a:prstGeom>
+          <a:solidFill>
+            <a:srgbClr val="FFFFFF">
+              <a:shade val="85000"/>
+            </a:srgbClr>
+          </a:solidFill>
+          <a:ln w="88900" cap="sq">
+            <a:solidFill>
+              <a:srgbClr val="FFFFFF"/>
+            </a:solidFill>
+            <a:miter lim="800000"/>
+          </a:ln>
+          <a:effectLst>
+            <a:outerShdw blurRad="55000" dist="18000" dir="5400000" algn="tl" rotWithShape="0">
+              <a:srgbClr val="000000">
+                <a:alpha val="40000"/>
+              </a:srgbClr>
+            </a:outerShdw>
+          </a:effectLst>
+          <a:scene3d>
+            <a:camera prst="orthographicFront"/>
+            <a:lightRig rig="twoPt" dir="t">
+              <a:rot lat="0" lon="0" rev="7200000"/>
+            </a:lightRig>
+          </a:scene3d>
+          <a:sp3d>
+            <a:bevelT w="25400" h="19050"/>
+            <a:contourClr>
+              <a:srgbClr val="FFFFFF"/>
+            </a:contourClr>
+          </a:sp3d>
+        </p:spPr>
+      </p:pic>
+      <p:pic>
+        <p:nvPicPr>
+          <p:cNvPr id="15" name="그림 14" descr="텍스트이(가) 표시된 사진&#10;&#10;자동 생성된 설명">
+            <a:extLst>
+              <a:ext uri="{FF2B5EF4-FFF2-40B4-BE49-F238E27FC236}">
+                <a16:creationId xmlns:a16="http://schemas.microsoft.com/office/drawing/2014/main" id="{193888C3-328E-2E4E-A372-49680D7CE11D}"/>
+              </a:ext>
+            </a:extLst>
+          </p:cNvPr>
+          <p:cNvPicPr>
+            <a:picLocks noChangeAspect="1"/>
+          </p:cNvPicPr>
+          <p:nvPr/>
+        </p:nvPicPr>
+        <p:blipFill rotWithShape="1">
+          <a:blip r:embed="rId8"/>
+          <a:srcRect t="5775" b="-2898"/>
+          <a:stretch/>
+        </p:blipFill>
+        <p:spPr>
+          <a:xfrm>
+            <a:off x="2542159" y="3695581"/>
+            <a:ext cx="1940117" cy="1517903"/>
+          </a:xfrm>
+          <a:prstGeom prst="rect">
+            <a:avLst/>
+          </a:prstGeom>
+          <a:solidFill>
+            <a:srgbClr val="FFFFFF">
+              <a:shade val="85000"/>
+            </a:srgbClr>
+          </a:solidFill>
+          <a:ln w="88900" cap="sq">
+            <a:solidFill>
+              <a:srgbClr val="FFFFFF"/>
+            </a:solidFill>
+            <a:miter lim="800000"/>
+          </a:ln>
+          <a:effectLst>
+            <a:outerShdw blurRad="55000" dist="18000" dir="5400000" algn="tl" rotWithShape="0">
+              <a:srgbClr val="000000">
+                <a:alpha val="40000"/>
+              </a:srgbClr>
+            </a:outerShdw>
+          </a:effectLst>
+          <a:scene3d>
+            <a:camera prst="orthographicFront"/>
+            <a:lightRig rig="twoPt" dir="t">
+              <a:rot lat="0" lon="0" rev="7200000"/>
+            </a:lightRig>
+          </a:scene3d>
+          <a:sp3d>
+            <a:bevelT w="25400" h="19050"/>
+            <a:contourClr>
+              <a:srgbClr val="FFFFFF"/>
+            </a:contourClr>
+          </a:sp3d>
+        </p:spPr>
+      </p:pic>
+      <p:pic>
+        <p:nvPicPr>
+          <p:cNvPr id="21" name="그림 20" descr="텍스트, 실외이(가) 표시된 사진&#10;&#10;자동 생성된 설명">
+            <a:extLst>
+              <a:ext uri="{FF2B5EF4-FFF2-40B4-BE49-F238E27FC236}">
+                <a16:creationId xmlns:a16="http://schemas.microsoft.com/office/drawing/2014/main" id="{6A937D36-29BA-E146-9728-6AF70C3BFEDC}"/>
+              </a:ext>
+            </a:extLst>
+          </p:cNvPr>
+          <p:cNvPicPr>
+            <a:picLocks noChangeAspect="1"/>
+          </p:cNvPicPr>
+          <p:nvPr/>
+        </p:nvPicPr>
+        <p:blipFill>
+          <a:blip r:embed="rId9"/>
+          <a:stretch>
+            <a:fillRect/>
+          </a:stretch>
+        </p:blipFill>
+        <p:spPr>
+          <a:xfrm>
+            <a:off x="6520934" y="694035"/>
+            <a:ext cx="2521113" cy="1985905"/>
+          </a:xfrm>
+          <a:prstGeom prst="rect">
+            <a:avLst/>
+          </a:prstGeom>
+          <a:solidFill>
+            <a:srgbClr val="FFFFFF">
+              <a:shade val="85000"/>
+            </a:srgbClr>
+          </a:solidFill>
+          <a:ln w="88900" cap="sq">
+            <a:solidFill>
+              <a:srgbClr val="FFFFFF"/>
+            </a:solidFill>
+            <a:miter lim="800000"/>
+          </a:ln>
+          <a:effectLst>
+            <a:outerShdw blurRad="55000" dist="18000" dir="5400000" algn="tl" rotWithShape="0">
+              <a:srgbClr val="000000">
+                <a:alpha val="40000"/>
+              </a:srgbClr>
+            </a:outerShdw>
+          </a:effectLst>
+          <a:scene3d>
+            <a:camera prst="orthographicFront"/>
+            <a:lightRig rig="twoPt" dir="t">
+              <a:rot lat="0" lon="0" rev="7200000"/>
+            </a:lightRig>
+          </a:scene3d>
+          <a:sp3d>
+            <a:bevelT w="25400" h="19050"/>
+            <a:contourClr>
+              <a:srgbClr val="FFFFFF"/>
+            </a:contourClr>
+          </a:sp3d>
+        </p:spPr>
+      </p:pic>
+      <p:pic>
+        <p:nvPicPr>
+          <p:cNvPr id="25" name="그림 24" descr="텍스트, 실외, 돌이(가) 표시된 사진&#10;&#10;자동 생성된 설명">
+            <a:extLst>
+              <a:ext uri="{FF2B5EF4-FFF2-40B4-BE49-F238E27FC236}">
+                <a16:creationId xmlns:a16="http://schemas.microsoft.com/office/drawing/2014/main" id="{C8373401-C5A2-FF40-A14F-D5ED9B50EE21}"/>
+              </a:ext>
+            </a:extLst>
+          </p:cNvPr>
+          <p:cNvPicPr>
+            <a:picLocks noChangeAspect="1"/>
+          </p:cNvPicPr>
+          <p:nvPr/>
+        </p:nvPicPr>
+        <p:blipFill>
+          <a:blip r:embed="rId10"/>
+          <a:stretch>
+            <a:fillRect/>
+          </a:stretch>
+        </p:blipFill>
+        <p:spPr>
+          <a:xfrm>
+            <a:off x="6162458" y="3700035"/>
+            <a:ext cx="2311400" cy="1803400"/>
+          </a:xfrm>
+          <a:prstGeom prst="rect">
+            <a:avLst/>
+          </a:prstGeom>
+          <a:solidFill>
+            <a:srgbClr val="FFFFFF">
+              <a:shade val="85000"/>
+            </a:srgbClr>
+          </a:solidFill>
+          <a:ln w="88900" cap="sq">
+            <a:solidFill>
+              <a:srgbClr val="FFFFFF"/>
+            </a:solidFill>
+            <a:miter lim="800000"/>
+          </a:ln>
+          <a:effectLst>
+            <a:outerShdw blurRad="55000" dist="18000" dir="5400000" algn="tl" rotWithShape="0">
+              <a:srgbClr val="000000">
+                <a:alpha val="40000"/>
+              </a:srgbClr>
+            </a:outerShdw>
+          </a:effectLst>
+          <a:scene3d>
+            <a:camera prst="orthographicFront"/>
+            <a:lightRig rig="twoPt" dir="t">
+              <a:rot lat="0" lon="0" rev="7200000"/>
+            </a:lightRig>
+          </a:scene3d>
+          <a:sp3d>
+            <a:bevelT w="25400" h="19050"/>
+            <a:contourClr>
+              <a:srgbClr val="FFFFFF"/>
+            </a:contourClr>
+          </a:sp3d>
+        </p:spPr>
+      </p:pic>
+      <p:sp>
+        <p:nvSpPr>
+          <p:cNvPr id="34" name="직사각형 33">
+            <a:extLst>
+              <a:ext uri="{FF2B5EF4-FFF2-40B4-BE49-F238E27FC236}">
+                <a16:creationId xmlns:a16="http://schemas.microsoft.com/office/drawing/2014/main" id="{1E2DBD44-19D1-4246-AF21-3F1B0E6C7050}"/>
+              </a:ext>
+            </a:extLst>
+          </p:cNvPr>
+          <p:cNvSpPr/>
+          <p:nvPr/>
+        </p:nvSpPr>
+        <p:spPr>
+          <a:xfrm>
+            <a:off x="-1041991" y="-1723637"/>
+            <a:ext cx="13233991" cy="2191257"/>
+          </a:xfrm>
+          <a:prstGeom prst="rect">
+            <a:avLst/>
+          </a:prstGeom>
+          <a:solidFill>
+            <a:schemeClr val="bg1"/>
+          </a:solidFill>
+          <a:ln>
+            <a:noFill/>
+          </a:ln>
+        </p:spPr>
+        <p:style>
+          <a:lnRef idx="2">
+            <a:schemeClr val="accent1">
+              <a:shade val="50000"/>
+            </a:schemeClr>
+          </a:lnRef>
+          <a:fillRef idx="1">
+            <a:schemeClr val="accent1"/>
+          </a:fillRef>
+          <a:effectRef idx="0">
+            <a:schemeClr val="accent1"/>
+          </a:effectRef>
+          <a:fontRef idx="minor">
+            <a:schemeClr val="lt1"/>
+          </a:fontRef>
+        </p:style>
+        <p:txBody>
+          <a:bodyPr rtlCol="0" anchor="ctr"/>
+          <a:lstStyle/>
+          <a:p>
+            <a:pPr algn="ctr"/>
+            <a:endParaRPr kumimoji="1" lang="ko-KR" altLang="en-US"/>
+          </a:p>
+        </p:txBody>
+      </p:sp>
+      <p:sp>
+        <p:nvSpPr>
+          <p:cNvPr id="35" name="직사각형 34">
+            <a:extLst>
+              <a:ext uri="{FF2B5EF4-FFF2-40B4-BE49-F238E27FC236}">
+                <a16:creationId xmlns:a16="http://schemas.microsoft.com/office/drawing/2014/main" id="{4933FA82-0502-1B4A-B11D-9A14ED2351BD}"/>
+              </a:ext>
+            </a:extLst>
+          </p:cNvPr>
+          <p:cNvSpPr/>
+          <p:nvPr/>
+        </p:nvSpPr>
+        <p:spPr>
+          <a:xfrm>
+            <a:off x="-1687016" y="6688881"/>
+            <a:ext cx="14976295" cy="699516"/>
+          </a:xfrm>
+          <a:prstGeom prst="rect">
+            <a:avLst/>
+          </a:prstGeom>
+          <a:solidFill>
+            <a:schemeClr val="bg1"/>
+          </a:solidFill>
+          <a:ln>
+            <a:noFill/>
+          </a:ln>
+        </p:spPr>
+        <p:style>
+          <a:lnRef idx="2">
+            <a:schemeClr val="accent1">
+              <a:shade val="50000"/>
+            </a:schemeClr>
+          </a:lnRef>
+          <a:fillRef idx="1">
+            <a:schemeClr val="accent1"/>
+          </a:fillRef>
+          <a:effectRef idx="0">
+            <a:schemeClr val="accent1"/>
+          </a:effectRef>
+          <a:fontRef idx="minor">
+            <a:schemeClr val="lt1"/>
+          </a:fontRef>
+        </p:style>
+        <p:txBody>
+          <a:bodyPr rtlCol="0" anchor="ctr"/>
+          <a:lstStyle/>
+          <a:p>
+            <a:pPr algn="ctr"/>
+            <a:endParaRPr kumimoji="1" lang="ko-KR" altLang="en-US"/>
+          </a:p>
+        </p:txBody>
+      </p:sp>
+      <p:sp>
+        <p:nvSpPr>
+          <p:cNvPr id="36" name="직사각형 35">
+            <a:extLst>
+              <a:ext uri="{FF2B5EF4-FFF2-40B4-BE49-F238E27FC236}">
+                <a16:creationId xmlns:a16="http://schemas.microsoft.com/office/drawing/2014/main" id="{D5873358-1101-A240-BDAB-9FEED8D149EE}"/>
+              </a:ext>
+            </a:extLst>
+          </p:cNvPr>
+          <p:cNvSpPr/>
+          <p:nvPr/>
+        </p:nvSpPr>
+        <p:spPr>
+          <a:xfrm>
+            <a:off x="-3020953" y="-1723637"/>
+            <a:ext cx="3247217" cy="8895835"/>
+          </a:xfrm>
+          <a:prstGeom prst="rect">
+            <a:avLst/>
+          </a:prstGeom>
+          <a:solidFill>
+            <a:schemeClr val="bg1"/>
+          </a:solidFill>
+          <a:ln>
+            <a:noFill/>
+          </a:ln>
+        </p:spPr>
+        <p:style>
+          <a:lnRef idx="2">
+            <a:schemeClr val="accent1">
+              <a:shade val="50000"/>
+            </a:schemeClr>
+          </a:lnRef>
+          <a:fillRef idx="1">
+            <a:schemeClr val="accent1"/>
+          </a:fillRef>
+          <a:effectRef idx="0">
+            <a:schemeClr val="accent1"/>
+          </a:effectRef>
+          <a:fontRef idx="minor">
+            <a:schemeClr val="lt1"/>
+          </a:fontRef>
+        </p:style>
+        <p:txBody>
+          <a:bodyPr rtlCol="0" anchor="ctr"/>
+          <a:lstStyle/>
+          <a:p>
+            <a:pPr algn="ctr"/>
+            <a:endParaRPr kumimoji="1" lang="ko-KR" altLang="en-US"/>
+          </a:p>
+        </p:txBody>
+      </p:sp>
+      <p:sp>
+        <p:nvSpPr>
+          <p:cNvPr id="37" name="직사각형 36">
+            <a:extLst>
+              <a:ext uri="{FF2B5EF4-FFF2-40B4-BE49-F238E27FC236}">
+                <a16:creationId xmlns:a16="http://schemas.microsoft.com/office/drawing/2014/main" id="{2D7E8B58-F13F-2948-938B-47497611F1FA}"/>
+              </a:ext>
+            </a:extLst>
+          </p:cNvPr>
+          <p:cNvSpPr/>
+          <p:nvPr/>
+        </p:nvSpPr>
+        <p:spPr>
+          <a:xfrm>
+            <a:off x="11977432" y="-1723637"/>
+            <a:ext cx="3247217" cy="9112034"/>
+          </a:xfrm>
+          <a:prstGeom prst="rect">
+            <a:avLst/>
+          </a:prstGeom>
+          <a:solidFill>
+            <a:schemeClr val="bg1"/>
+          </a:solidFill>
+          <a:ln>
+            <a:noFill/>
+          </a:ln>
+        </p:spPr>
+        <p:style>
+          <a:lnRef idx="2">
+            <a:schemeClr val="accent1">
+              <a:shade val="50000"/>
+            </a:schemeClr>
+          </a:lnRef>
+          <a:fillRef idx="1">
+            <a:schemeClr val="accent1"/>
+          </a:fillRef>
+          <a:effectRef idx="0">
+            <a:schemeClr val="accent1"/>
+          </a:effectRef>
+          <a:fontRef idx="minor">
+            <a:schemeClr val="lt1"/>
+          </a:fontRef>
+        </p:style>
+        <p:txBody>
+          <a:bodyPr rtlCol="0" anchor="ctr"/>
+          <a:lstStyle/>
+          <a:p>
+            <a:pPr algn="ctr"/>
+            <a:endParaRPr kumimoji="1" lang="ko-KR" altLang="en-US"/>
+          </a:p>
+        </p:txBody>
+      </p:sp>
+      <p:pic>
+        <p:nvPicPr>
+          <p:cNvPr id="5" name="그림 4">
+            <a:extLst>
+              <a:ext uri="{FF2B5EF4-FFF2-40B4-BE49-F238E27FC236}">
+                <a16:creationId xmlns:a16="http://schemas.microsoft.com/office/drawing/2014/main" id="{AB0B5D5C-5ACC-E142-9E81-B9B1DF3506F3}"/>
+              </a:ext>
+            </a:extLst>
+          </p:cNvPr>
+          <p:cNvPicPr>
+            <a:picLocks noChangeAspect="1"/>
+          </p:cNvPicPr>
+          <p:nvPr/>
+        </p:nvPicPr>
+        <p:blipFill>
+          <a:blip r:embed="rId11"/>
+          <a:stretch>
+            <a:fillRect/>
+          </a:stretch>
+        </p:blipFill>
+        <p:spPr>
+          <a:xfrm>
+            <a:off x="-542182" y="2371424"/>
+            <a:ext cx="2067518" cy="1679858"/>
+          </a:xfrm>
+          <a:prstGeom prst="rect">
+            <a:avLst/>
+          </a:prstGeom>
+          <a:solidFill>
+            <a:srgbClr val="FFFFFF">
+              <a:shade val="85000"/>
+            </a:srgbClr>
+          </a:solidFill>
+          <a:ln w="88900" cap="sq">
+            <a:solidFill>
+              <a:srgbClr val="FFFFFF"/>
+            </a:solidFill>
+            <a:miter lim="800000"/>
+          </a:ln>
+          <a:effectLst>
+            <a:outerShdw blurRad="55000" dist="18000" dir="5400000" algn="tl" rotWithShape="0">
+              <a:srgbClr val="000000">
+                <a:alpha val="40000"/>
+              </a:srgbClr>
+            </a:outerShdw>
+          </a:effectLst>
+          <a:scene3d>
+            <a:camera prst="orthographicFront"/>
+            <a:lightRig rig="twoPt" dir="t">
+              <a:rot lat="0" lon="0" rev="7200000"/>
+            </a:lightRig>
+          </a:scene3d>
+          <a:sp3d>
+            <a:bevelT w="25400" h="19050"/>
+            <a:contourClr>
+              <a:srgbClr val="FFFFFF"/>
+            </a:contourClr>
+          </a:sp3d>
+        </p:spPr>
+      </p:pic>
+      <p:pic>
+        <p:nvPicPr>
+          <p:cNvPr id="11" name="그림 10" descr="텍스트이(가) 표시된 사진&#10;&#10;자동 생성된 설명">
+            <a:extLst>
+              <a:ext uri="{FF2B5EF4-FFF2-40B4-BE49-F238E27FC236}">
+                <a16:creationId xmlns:a16="http://schemas.microsoft.com/office/drawing/2014/main" id="{52552974-6C2F-7C44-A52D-039110DFF2CA}"/>
+              </a:ext>
+            </a:extLst>
+          </p:cNvPr>
+          <p:cNvPicPr>
+            <a:picLocks noChangeAspect="1"/>
+          </p:cNvPicPr>
+          <p:nvPr/>
+        </p:nvPicPr>
+        <p:blipFill>
+          <a:blip r:embed="rId12"/>
+          <a:stretch>
+            <a:fillRect/>
+          </a:stretch>
+        </p:blipFill>
+        <p:spPr>
+          <a:xfrm>
+            <a:off x="10692476" y="3694438"/>
+            <a:ext cx="2260600" cy="1778000"/>
+          </a:xfrm>
+          <a:prstGeom prst="rect">
+            <a:avLst/>
+          </a:prstGeom>
+          <a:solidFill>
+            <a:srgbClr val="FFFFFF">
+              <a:shade val="85000"/>
+            </a:srgbClr>
+          </a:solidFill>
+          <a:ln w="88900" cap="sq">
+            <a:solidFill>
+              <a:srgbClr val="FFFFFF"/>
+            </a:solidFill>
+            <a:miter lim="800000"/>
+          </a:ln>
+          <a:effectLst>
+            <a:outerShdw blurRad="55000" dist="18000" dir="5400000" algn="tl" rotWithShape="0">
+              <a:srgbClr val="000000">
+                <a:alpha val="40000"/>
+              </a:srgbClr>
+            </a:outerShdw>
+          </a:effectLst>
+          <a:scene3d>
+            <a:camera prst="orthographicFront"/>
+            <a:lightRig rig="twoPt" dir="t">
+              <a:rot lat="0" lon="0" rev="7200000"/>
+            </a:lightRig>
+          </a:scene3d>
+          <a:sp3d>
+            <a:bevelT w="25400" h="19050"/>
+            <a:contourClr>
+              <a:srgbClr val="FFFFFF"/>
+            </a:contourClr>
+          </a:sp3d>
+        </p:spPr>
+      </p:pic>
+      <p:pic>
+        <p:nvPicPr>
+          <p:cNvPr id="23" name="그림 22" descr="텍스트이(가) 표시된 사진&#10;&#10;자동 생성된 설명">
+            <a:extLst>
+              <a:ext uri="{FF2B5EF4-FFF2-40B4-BE49-F238E27FC236}">
+                <a16:creationId xmlns:a16="http://schemas.microsoft.com/office/drawing/2014/main" id="{552ED47C-8DF5-CE44-94B2-D5C94A668197}"/>
+              </a:ext>
+            </a:extLst>
+          </p:cNvPr>
+          <p:cNvPicPr>
+            <a:picLocks noChangeAspect="1"/>
+          </p:cNvPicPr>
+          <p:nvPr/>
+        </p:nvPicPr>
+        <p:blipFill>
+          <a:blip r:embed="rId13"/>
+          <a:stretch>
+            <a:fillRect/>
+          </a:stretch>
+        </p:blipFill>
+        <p:spPr>
+          <a:xfrm>
+            <a:off x="10500414" y="645917"/>
+            <a:ext cx="2505562" cy="1954889"/>
+          </a:xfrm>
+          <a:prstGeom prst="rect">
+            <a:avLst/>
+          </a:prstGeom>
+          <a:solidFill>
+            <a:srgbClr val="FFFFFF">
+              <a:shade val="85000"/>
+            </a:srgbClr>
+          </a:solidFill>
+          <a:ln w="88900" cap="sq">
+            <a:solidFill>
+              <a:srgbClr val="FFFFFF"/>
+            </a:solidFill>
+            <a:miter lim="800000"/>
+          </a:ln>
+          <a:effectLst>
+            <a:outerShdw blurRad="55000" dist="18000" dir="5400000" algn="tl" rotWithShape="0">
+              <a:srgbClr val="000000">
+                <a:alpha val="40000"/>
+              </a:srgbClr>
+            </a:outerShdw>
+          </a:effectLst>
+          <a:scene3d>
+            <a:camera prst="orthographicFront"/>
+            <a:lightRig rig="twoPt" dir="t">
+              <a:rot lat="0" lon="0" rev="7200000"/>
+            </a:lightRig>
+          </a:scene3d>
+          <a:sp3d>
+            <a:bevelT w="25400" h="19050"/>
+            <a:contourClr>
+              <a:srgbClr val="FFFFFF"/>
+            </a:contourClr>
+          </a:sp3d>
+        </p:spPr>
+      </p:pic>
+      <p:sp>
+        <p:nvSpPr>
+          <p:cNvPr id="38" name="TextBox 37">
+            <a:extLst>
+              <a:ext uri="{FF2B5EF4-FFF2-40B4-BE49-F238E27FC236}">
+                <a16:creationId xmlns:a16="http://schemas.microsoft.com/office/drawing/2014/main" id="{EB4BA4BF-D60A-CD4A-82D7-4324924D2F9E}"/>
+              </a:ext>
+            </a:extLst>
+          </p:cNvPr>
+          <p:cNvSpPr txBox="1"/>
+          <p:nvPr/>
+        </p:nvSpPr>
+        <p:spPr>
+          <a:xfrm>
+            <a:off x="-435353" y="-96379"/>
+            <a:ext cx="1853859" cy="523220"/>
+          </a:xfrm>
+          <a:prstGeom prst="rect">
+            <a:avLst/>
+          </a:prstGeom>
+          <a:noFill/>
+        </p:spPr>
+        <p:txBody>
+          <a:bodyPr wrap="square" rtlCol="0">
+            <a:spAutoFit/>
+          </a:bodyPr>
+          <a:lstStyle/>
+          <a:p>
+            <a:pPr algn="ctr"/>
+            <a:r>
+              <a:rPr kumimoji="1" lang="ko-KR" altLang="en-US" sz="2800" dirty="0">
+                <a:latin typeface="BM JUA OTF" panose="02020603020101020101" pitchFamily="18" charset="-127"/>
+                <a:ea typeface="BM JUA OTF" panose="02020603020101020101" pitchFamily="18" charset="-127"/>
+              </a:rPr>
+              <a:t>마인드 확립</a:t>
+            </a:r>
+          </a:p>
+        </p:txBody>
+      </p:sp>
+      <p:sp>
+        <p:nvSpPr>
+          <p:cNvPr id="39" name="TextBox 38">
+            <a:extLst>
+              <a:ext uri="{FF2B5EF4-FFF2-40B4-BE49-F238E27FC236}">
+                <a16:creationId xmlns:a16="http://schemas.microsoft.com/office/drawing/2014/main" id="{B4F96B70-C333-F14E-B381-3782598775A4}"/>
+              </a:ext>
+            </a:extLst>
+          </p:cNvPr>
+          <p:cNvSpPr txBox="1"/>
+          <p:nvPr/>
+        </p:nvSpPr>
+        <p:spPr>
+          <a:xfrm>
+            <a:off x="2989656" y="-96379"/>
+            <a:ext cx="1853859" cy="523220"/>
+          </a:xfrm>
+          <a:prstGeom prst="rect">
+            <a:avLst/>
+          </a:prstGeom>
+          <a:noFill/>
+        </p:spPr>
+        <p:txBody>
+          <a:bodyPr wrap="square" rtlCol="0">
+            <a:spAutoFit/>
+          </a:bodyPr>
+          <a:lstStyle/>
+          <a:p>
+            <a:pPr algn="ctr"/>
+            <a:r>
+              <a:rPr kumimoji="1" lang="ko-KR" altLang="en-US" sz="2800" dirty="0">
+                <a:latin typeface="BM JUA OTF" panose="02020603020101020101" pitchFamily="18" charset="-127"/>
+                <a:ea typeface="BM JUA OTF" panose="02020603020101020101" pitchFamily="18" charset="-127"/>
+              </a:rPr>
+              <a:t>기초</a:t>
+            </a:r>
+          </a:p>
+        </p:txBody>
+      </p:sp>
+      <p:sp>
+        <p:nvSpPr>
+          <p:cNvPr id="40" name="TextBox 39">
+            <a:extLst>
+              <a:ext uri="{FF2B5EF4-FFF2-40B4-BE49-F238E27FC236}">
+                <a16:creationId xmlns:a16="http://schemas.microsoft.com/office/drawing/2014/main" id="{35E410E1-8CBB-F445-82E2-F704BBAF6E3F}"/>
+              </a:ext>
+            </a:extLst>
+          </p:cNvPr>
+          <p:cNvSpPr txBox="1"/>
+          <p:nvPr/>
+        </p:nvSpPr>
+        <p:spPr>
+          <a:xfrm>
+            <a:off x="6829044" y="-83241"/>
+            <a:ext cx="1853859" cy="523220"/>
+          </a:xfrm>
+          <a:prstGeom prst="rect">
+            <a:avLst/>
+          </a:prstGeom>
+          <a:noFill/>
+        </p:spPr>
+        <p:txBody>
+          <a:bodyPr wrap="square" rtlCol="0">
+            <a:spAutoFit/>
+          </a:bodyPr>
+          <a:lstStyle/>
+          <a:p>
+            <a:pPr algn="ctr"/>
+            <a:r>
+              <a:rPr kumimoji="1" lang="ko-KR" altLang="en-US" sz="2800" dirty="0">
+                <a:latin typeface="BM JUA OTF" panose="02020603020101020101" pitchFamily="18" charset="-127"/>
+                <a:ea typeface="BM JUA OTF" panose="02020603020101020101" pitchFamily="18" charset="-127"/>
+              </a:rPr>
+              <a:t>도약</a:t>
+            </a:r>
+          </a:p>
+        </p:txBody>
+      </p:sp>
+      <p:sp>
+        <p:nvSpPr>
+          <p:cNvPr id="41" name="TextBox 40">
+            <a:extLst>
+              <a:ext uri="{FF2B5EF4-FFF2-40B4-BE49-F238E27FC236}">
+                <a16:creationId xmlns:a16="http://schemas.microsoft.com/office/drawing/2014/main" id="{1BF02336-1FE9-B145-8B58-F01B457AA904}"/>
+              </a:ext>
+            </a:extLst>
+          </p:cNvPr>
+          <p:cNvSpPr txBox="1"/>
+          <p:nvPr/>
+        </p:nvSpPr>
+        <p:spPr>
+          <a:xfrm>
+            <a:off x="10760071" y="-92619"/>
+            <a:ext cx="1853859" cy="523220"/>
+          </a:xfrm>
+          <a:prstGeom prst="rect">
+            <a:avLst/>
+          </a:prstGeom>
+          <a:noFill/>
+        </p:spPr>
+        <p:txBody>
+          <a:bodyPr wrap="square" rtlCol="0">
+            <a:spAutoFit/>
+          </a:bodyPr>
+          <a:lstStyle/>
+          <a:p>
+            <a:pPr algn="ctr"/>
+            <a:r>
+              <a:rPr kumimoji="1" lang="ko-KR" altLang="en-US" sz="2800" dirty="0">
+                <a:latin typeface="BM JUA OTF" panose="02020603020101020101" pitchFamily="18" charset="-127"/>
+                <a:ea typeface="BM JUA OTF" panose="02020603020101020101" pitchFamily="18" charset="-127"/>
+              </a:rPr>
+              <a:t>실전</a:t>
+            </a:r>
+          </a:p>
+        </p:txBody>
+      </p:sp>
+      <p:cxnSp>
+        <p:nvCxnSpPr>
+          <p:cNvPr id="43" name="직선 연결선[R] 42">
+            <a:extLst>
+              <a:ext uri="{FF2B5EF4-FFF2-40B4-BE49-F238E27FC236}">
+                <a16:creationId xmlns:a16="http://schemas.microsoft.com/office/drawing/2014/main" id="{0C115F90-DCD1-E54F-BC9D-027BFBC104EA}"/>
+              </a:ext>
+            </a:extLst>
+          </p:cNvPr>
+          <p:cNvCxnSpPr>
+            <a:cxnSpLocks/>
+          </p:cNvCxnSpPr>
+          <p:nvPr/>
+        </p:nvCxnSpPr>
+        <p:spPr>
+          <a:xfrm>
+            <a:off x="2003845" y="-35749"/>
+            <a:ext cx="0" cy="7016307"/>
+          </a:xfrm>
+          <a:prstGeom prst="line">
+            <a:avLst/>
+          </a:prstGeom>
+          <a:ln w="34925">
+            <a:solidFill>
+              <a:srgbClr val="FFB800"/>
+            </a:solidFill>
+            <a:prstDash val="sysDash"/>
+          </a:ln>
+        </p:spPr>
+        <p:style>
+          <a:lnRef idx="1">
+            <a:schemeClr val="accent1"/>
+          </a:lnRef>
+          <a:fillRef idx="0">
+            <a:schemeClr val="accent1"/>
+          </a:fillRef>
+          <a:effectRef idx="0">
+            <a:schemeClr val="accent1"/>
+          </a:effectRef>
+          <a:fontRef idx="minor">
+            <a:schemeClr val="tx1"/>
+          </a:fontRef>
+        </p:style>
+      </p:cxnSp>
+      <p:cxnSp>
+        <p:nvCxnSpPr>
+          <p:cNvPr id="44" name="직선 연결선[R] 43">
+            <a:extLst>
+              <a:ext uri="{FF2B5EF4-FFF2-40B4-BE49-F238E27FC236}">
+                <a16:creationId xmlns:a16="http://schemas.microsoft.com/office/drawing/2014/main" id="{33F9EAA3-773C-5546-BA4E-6115094A8945}"/>
+              </a:ext>
+            </a:extLst>
+          </p:cNvPr>
+          <p:cNvCxnSpPr>
+            <a:cxnSpLocks/>
+          </p:cNvCxnSpPr>
+          <p:nvPr/>
+        </p:nvCxnSpPr>
+        <p:spPr>
+          <a:xfrm>
+            <a:off x="5739417" y="-83241"/>
+            <a:ext cx="0" cy="7063799"/>
+          </a:xfrm>
+          <a:prstGeom prst="line">
+            <a:avLst/>
+          </a:prstGeom>
+          <a:ln w="34925">
+            <a:solidFill>
+              <a:srgbClr val="FFB800"/>
+            </a:solidFill>
+            <a:prstDash val="sysDash"/>
+          </a:ln>
+        </p:spPr>
+        <p:style>
+          <a:lnRef idx="1">
+            <a:schemeClr val="accent1"/>
+          </a:lnRef>
+          <a:fillRef idx="0">
+            <a:schemeClr val="accent1"/>
+          </a:fillRef>
+          <a:effectRef idx="0">
+            <a:schemeClr val="accent1"/>
+          </a:effectRef>
+          <a:fontRef idx="minor">
+            <a:schemeClr val="tx1"/>
+          </a:fontRef>
+        </p:style>
+      </p:cxnSp>
+      <p:cxnSp>
+        <p:nvCxnSpPr>
+          <p:cNvPr id="45" name="직선 연결선[R] 44">
+            <a:extLst>
+              <a:ext uri="{FF2B5EF4-FFF2-40B4-BE49-F238E27FC236}">
+                <a16:creationId xmlns:a16="http://schemas.microsoft.com/office/drawing/2014/main" id="{40A5B560-1D48-7040-AE39-AA7D0FB04699}"/>
+              </a:ext>
+            </a:extLst>
+          </p:cNvPr>
+          <p:cNvCxnSpPr>
+            <a:cxnSpLocks/>
+          </p:cNvCxnSpPr>
+          <p:nvPr/>
+        </p:nvCxnSpPr>
+        <p:spPr>
+          <a:xfrm>
+            <a:off x="9830308" y="-83241"/>
+            <a:ext cx="0" cy="7055349"/>
+          </a:xfrm>
+          <a:prstGeom prst="line">
+            <a:avLst/>
+          </a:prstGeom>
+          <a:ln w="34925">
+            <a:solidFill>
+              <a:srgbClr val="FFB800"/>
+            </a:solidFill>
+            <a:prstDash val="sysDash"/>
+          </a:ln>
+        </p:spPr>
+        <p:style>
+          <a:lnRef idx="1">
+            <a:schemeClr val="accent1"/>
+          </a:lnRef>
+          <a:fillRef idx="0">
+            <a:schemeClr val="accent1"/>
+          </a:fillRef>
+          <a:effectRef idx="0">
+            <a:schemeClr val="accent1"/>
+          </a:effectRef>
+          <a:fontRef idx="minor">
+            <a:schemeClr val="tx1"/>
+          </a:fontRef>
+        </p:style>
+      </p:cxnSp>
+      <p:sp>
+        <p:nvSpPr>
+          <p:cNvPr id="26" name="직사각형 25">
+            <a:extLst>
+              <a:ext uri="{FF2B5EF4-FFF2-40B4-BE49-F238E27FC236}">
+                <a16:creationId xmlns:a16="http://schemas.microsoft.com/office/drawing/2014/main" id="{810C2983-F0AB-2941-9085-5E31913C8199}"/>
+              </a:ext>
+            </a:extLst>
+          </p:cNvPr>
+          <p:cNvSpPr/>
+          <p:nvPr/>
+        </p:nvSpPr>
+        <p:spPr>
+          <a:xfrm>
+            <a:off x="-3214469" y="7028050"/>
+            <a:ext cx="18729549" cy="2985238"/>
+          </a:xfrm>
+          <a:prstGeom prst="rect">
+            <a:avLst/>
+          </a:prstGeom>
+          <a:solidFill>
+            <a:schemeClr val="bg1"/>
+          </a:solidFill>
+          <a:ln>
+            <a:noFill/>
+          </a:ln>
+        </p:spPr>
+        <p:style>
+          <a:lnRef idx="2">
+            <a:schemeClr val="accent1">
+              <a:shade val="50000"/>
+            </a:schemeClr>
+          </a:lnRef>
+          <a:fillRef idx="1">
+            <a:schemeClr val="accent1"/>
+          </a:fillRef>
+          <a:effectRef idx="0">
+            <a:schemeClr val="accent1"/>
+          </a:effectRef>
+          <a:fontRef idx="minor">
+            <a:schemeClr val="lt1"/>
+          </a:fontRef>
+        </p:style>
+        <p:txBody>
+          <a:bodyPr rtlCol="0" anchor="ctr"/>
+          <a:lstStyle/>
+          <a:p>
+            <a:pPr algn="ctr"/>
+            <a:endParaRPr kumimoji="1" lang="ko-KR" altLang="en-US"/>
+          </a:p>
+        </p:txBody>
+      </p:sp>
+      <p:sp>
+        <p:nvSpPr>
+          <p:cNvPr id="24" name="직사각형 23">
+            <a:extLst>
+              <a:ext uri="{FF2B5EF4-FFF2-40B4-BE49-F238E27FC236}">
+                <a16:creationId xmlns:a16="http://schemas.microsoft.com/office/drawing/2014/main" id="{815B0DA2-CB5D-2343-8664-8D0D86717B59}"/>
+              </a:ext>
+            </a:extLst>
+          </p:cNvPr>
+          <p:cNvSpPr/>
+          <p:nvPr/>
+        </p:nvSpPr>
+        <p:spPr>
+          <a:xfrm>
+            <a:off x="-1306286" y="-403412"/>
+            <a:ext cx="15102968" cy="7621335"/>
+          </a:xfrm>
+          <a:prstGeom prst="rect">
+            <a:avLst/>
+          </a:prstGeom>
+          <a:noFill/>
+          <a:ln>
+            <a:solidFill>
+              <a:schemeClr val="bg1">
+                <a:lumMod val="75000"/>
+              </a:schemeClr>
+            </a:solidFill>
+          </a:ln>
+        </p:spPr>
+        <p:style>
+          <a:lnRef idx="2">
+            <a:schemeClr val="accent1">
+              <a:shade val="50000"/>
+            </a:schemeClr>
+          </a:lnRef>
+          <a:fillRef idx="1">
+            <a:schemeClr val="accent1"/>
+          </a:fillRef>
+          <a:effectRef idx="0">
+            <a:schemeClr val="accent1"/>
+          </a:effectRef>
+          <a:fontRef idx="minor">
+            <a:schemeClr val="lt1"/>
+          </a:fontRef>
+        </p:style>
+        <p:txBody>
+          <a:bodyPr rtlCol="0" anchor="ctr"/>
+          <a:lstStyle/>
+          <a:p>
+            <a:pPr algn="ctr"/>
+            <a:endParaRPr kumimoji="1" lang="ko-KR" altLang="en-US"/>
+          </a:p>
+        </p:txBody>
+      </p:sp>
     </p:spTree>
     <p:extLst>
       <p:ext uri="{BB962C8B-B14F-4D97-AF65-F5344CB8AC3E}">
-        <p14:creationId xmlns:p14="http://schemas.microsoft.com/office/powerpoint/2010/main" val="2825545260"/>
+        <p14:creationId xmlns:p14="http://schemas.microsoft.com/office/powerpoint/2010/main" val="3587674073"/>
       </p:ext>
     </p:extLst>
   </p:cSld>
@@ -5168,6 +6486,36 @@
     </p:spTree>
     <p:extLst>
       <p:ext uri="{BB962C8B-B14F-4D97-AF65-F5344CB8AC3E}">
+        <p14:creationId xmlns:p14="http://schemas.microsoft.com/office/powerpoint/2010/main" val="2825545260"/>
+      </p:ext>
+    </p:extLst>
+  </p:cSld>
+  <p:clrMapOvr>
+    <a:masterClrMapping/>
+  </p:clrMapOvr>
+</p:sld>
+</file>
+
+<file path=ppt/slides/slide6.xml><?xml version="1.0" encoding="utf-8"?>
+<p:sld xmlns:a="http://schemas.openxmlformats.org/drawingml/2006/main" xmlns:r="http://schemas.openxmlformats.org/officeDocument/2006/relationships" xmlns:p="http://schemas.openxmlformats.org/presentationml/2006/main">
+  <p:cSld>
+    <p:spTree>
+      <p:nvGrpSpPr>
+        <p:cNvPr id="1" name=""/>
+        <p:cNvGrpSpPr/>
+        <p:nvPr/>
+      </p:nvGrpSpPr>
+      <p:grpSpPr>
+        <a:xfrm>
+          <a:off x="0" y="0"/>
+          <a:ext cx="0" cy="0"/>
+          <a:chOff x="0" y="0"/>
+          <a:chExt cx="0" cy="0"/>
+        </a:xfrm>
+      </p:grpSpPr>
+    </p:spTree>
+    <p:extLst>
+      <p:ext uri="{BB962C8B-B14F-4D97-AF65-F5344CB8AC3E}">
         <p14:creationId xmlns:p14="http://schemas.microsoft.com/office/powerpoint/2010/main" val="3232527457"/>
       </p:ext>
     </p:extLst>
@@ -5178,7 +6526,7 @@
 </p:sld>
 </file>
 
-<file path=ppt/slides/slide6.xml><?xml version="1.0" encoding="utf-8"?>
+<file path=ppt/slides/slide7.xml><?xml version="1.0" encoding="utf-8"?>
 <p:sld xmlns:a="http://schemas.openxmlformats.org/drawingml/2006/main" xmlns:r="http://schemas.openxmlformats.org/officeDocument/2006/relationships" xmlns:p="http://schemas.openxmlformats.org/presentationml/2006/main">
   <p:cSld>
     <p:spTree>
